--- a/HBM_workflow/HBM_Workflow/AEDT WokFlow构建程序使用说明.pptx
+++ b/HBM_workflow/HBM_Workflow/AEDT WokFlow构建程序使用说明.pptx
@@ -3369,7 +3369,7 @@
           <a:p>
             <a:fld id="{97A6C502-3840-4544-8B16-84FC92524436}" type="datetimeFigureOut">
               <a:rPr lang="zh-CN" altLang="en-US" smtClean="0"/>
-              <a:t>2020/7/1</a:t>
+              <a:t>2020/7/2</a:t>
             </a:fld>
             <a:endParaRPr lang="zh-CN" altLang="en-US"/>
           </a:p>
@@ -5024,7 +5024,7 @@
         <p:spPr>
           <a:xfrm>
             <a:off x="490221" y="3598277"/>
-            <a:ext cx="1595120" cy="264583"/>
+            <a:ext cx="1595120" cy="471215"/>
           </a:xfrm>
           <a:prstGeom prst="rect">
             <a:avLst/>
@@ -5101,7 +5101,7 @@
             </a:r>
             <a:r>
               <a:rPr lang="zh-CN" altLang="en-US" sz="1600" dirty="0"/>
-              <a:t>来定义新流程</a:t>
+              <a:t>来定义新流程。</a:t>
             </a:r>
             <a:endParaRPr lang="en-US" altLang="zh-CN" sz="1600" dirty="0"/>
           </a:p>
@@ -5122,7 +5122,7 @@
         <p:spPr>
           <a:xfrm>
             <a:off x="198678" y="5851986"/>
-            <a:ext cx="4916247" cy="338554"/>
+            <a:ext cx="6276263" cy="307777"/>
           </a:xfrm>
           <a:prstGeom prst="rect">
             <a:avLst/>
@@ -5136,26 +5136,26 @@
           <a:lstStyle/>
           <a:p>
             <a:r>
-              <a:rPr lang="zh-CN" altLang="en-US" sz="1600" dirty="0"/>
+              <a:rPr lang="zh-CN" altLang="en-US" sz="1400" dirty="0"/>
               <a:t>注：不要编辑</a:t>
             </a:r>
             <a:r>
-              <a:rPr lang="en-US" altLang="zh-CN" sz="1600" dirty="0"/>
+              <a:rPr lang="en-US" altLang="zh-CN" sz="1400" dirty="0"/>
               <a:t>Mainform.py</a:t>
             </a:r>
             <a:r>
-              <a:rPr lang="zh-CN" altLang="en-US" sz="1600" dirty="0"/>
+              <a:rPr lang="zh-CN" altLang="en-US" sz="1400" dirty="0"/>
               <a:t>和</a:t>
             </a:r>
             <a:r>
-              <a:rPr lang="en-US" altLang="zh-CN" sz="1600" dirty="0"/>
+              <a:rPr lang="en-US" altLang="zh-CN" sz="1400" dirty="0"/>
               <a:t>Workflow.py</a:t>
             </a:r>
             <a:r>
-              <a:rPr lang="zh-CN" altLang="en-US" sz="1600" dirty="0"/>
-              <a:t>两个文件</a:t>
-            </a:r>
-            <a:endParaRPr lang="en-US" altLang="zh-CN" sz="1600" dirty="0"/>
+              <a:rPr lang="zh-CN" altLang="en-US" sz="1400" dirty="0"/>
+              <a:t>两个文件的内容</a:t>
+            </a:r>
+            <a:endParaRPr lang="en-US" altLang="zh-CN" sz="1400" dirty="0"/>
           </a:p>
         </p:txBody>
       </p:sp>
@@ -5189,6 +5189,58 @@
           </a:prstGeom>
         </p:spPr>
       </p:pic>
+      <p:sp>
+        <p:nvSpPr>
+          <p:cNvPr id="10" name="TextBox 9">
+            <a:extLst>
+              <a:ext uri="{FF2B5EF4-FFF2-40B4-BE49-F238E27FC236}">
+                <a16:creationId xmlns:a16="http://schemas.microsoft.com/office/drawing/2014/main" id="{6F81995C-AE6F-43F7-9587-2C562E602333}"/>
+              </a:ext>
+            </a:extLst>
+          </p:cNvPr>
+          <p:cNvSpPr txBox="1"/>
+          <p:nvPr/>
+        </p:nvSpPr>
+        <p:spPr>
+          <a:xfrm>
+            <a:off x="793633" y="4971722"/>
+            <a:ext cx="4916247" cy="523220"/>
+          </a:xfrm>
+          <a:prstGeom prst="rect">
+            <a:avLst/>
+          </a:prstGeom>
+          <a:noFill/>
+        </p:spPr>
+        <p:txBody>
+          <a:bodyPr wrap="square">
+            <a:spAutoFit/>
+          </a:bodyPr>
+          <a:lstStyle/>
+          <a:p>
+            <a:r>
+              <a:rPr lang="zh-CN" altLang="en-US" sz="1400" dirty="0"/>
+              <a:t>可以通过修改</a:t>
+            </a:r>
+            <a:r>
+              <a:rPr lang="en-US" altLang="zh-CN" sz="1400" dirty="0"/>
+              <a:t>workflow_xxxx.py</a:t>
+            </a:r>
+            <a:r>
+              <a:rPr lang="zh-CN" altLang="en-US" sz="1400" dirty="0"/>
+              <a:t>来定义不同的流程，对应的</a:t>
+            </a:r>
+            <a:r>
+              <a:rPr lang="en-US" altLang="zh-CN" sz="1400" dirty="0"/>
+              <a:t>workflow_xxxx.htm</a:t>
+            </a:r>
+            <a:r>
+              <a:rPr lang="zh-CN" altLang="en-US" sz="1400" dirty="0"/>
+              <a:t>需要保持命名一致。</a:t>
+            </a:r>
+            <a:endParaRPr lang="en-US" altLang="zh-CN" sz="1400" dirty="0"/>
+          </a:p>
+        </p:txBody>
+      </p:sp>
     </p:spTree>
     <p:extLst>
       <p:ext uri="{BB962C8B-B14F-4D97-AF65-F5344CB8AC3E}">
